--- a/paper/Parameter sketch.pptx
+++ b/paper/Parameter sketch.pptx
@@ -5,10 +5,11 @@
     <p:sldMasterId id="2147483648" r:id="rId1"/>
   </p:sldMasterIdLst>
   <p:notesMasterIdLst>
-    <p:notesMasterId r:id="rId3"/>
+    <p:notesMasterId r:id="rId4"/>
   </p:notesMasterIdLst>
   <p:sldIdLst>
     <p:sldId id="256" r:id="rId2"/>
+    <p:sldId id="257" r:id="rId3"/>
   </p:sldIdLst>
   <p:sldSz cx="5761038" cy="5761038"/>
   <p:notesSz cx="6858000" cy="9144000"/>
@@ -208,7 +209,7 @@
           <a:p>
             <a:fld id="{A597B1AF-D911-D044-8D45-1D5F28794D48}" type="datetimeFigureOut">
               <a:rPr lang="en-US" smtClean="0"/>
-              <a:t>4/19/21</a:t>
+              <a:t>5/17/21</a:t>
             </a:fld>
             <a:endParaRPr lang="en-US"/>
           </a:p>
@@ -563,6 +564,114 @@
 </p:notes>
 </file>
 
+<file path=ppt/notesSlides/notesSlide2.xml><?xml version="1.0" encoding="utf-8"?>
+<p:notes xmlns:a="http://schemas.openxmlformats.org/drawingml/2006/main" xmlns:r="http://schemas.openxmlformats.org/officeDocument/2006/relationships" xmlns:p="http://schemas.openxmlformats.org/presentationml/2006/main">
+  <p:cSld>
+    <p:spTree>
+      <p:nvGrpSpPr>
+        <p:cNvPr id="1" name=""/>
+        <p:cNvGrpSpPr/>
+        <p:nvPr/>
+      </p:nvGrpSpPr>
+      <p:grpSpPr>
+        <a:xfrm>
+          <a:off x="0" y="0"/>
+          <a:ext cx="0" cy="0"/>
+          <a:chOff x="0" y="0"/>
+          <a:chExt cx="0" cy="0"/>
+        </a:xfrm>
+      </p:grpSpPr>
+      <p:sp>
+        <p:nvSpPr>
+          <p:cNvPr id="2" name="Slide Image Placeholder 1"/>
+          <p:cNvSpPr>
+            <a:spLocks noGrp="1" noRot="1" noChangeAspect="1"/>
+          </p:cNvSpPr>
+          <p:nvPr>
+            <p:ph type="sldImg"/>
+          </p:nvPr>
+        </p:nvSpPr>
+        <p:spPr/>
+      </p:sp>
+      <p:sp>
+        <p:nvSpPr>
+          <p:cNvPr id="3" name="Notes Placeholder 2"/>
+          <p:cNvSpPr>
+            <a:spLocks noGrp="1"/>
+          </p:cNvSpPr>
+          <p:nvPr>
+            <p:ph type="body" idx="1"/>
+          </p:nvPr>
+        </p:nvSpPr>
+        <p:spPr/>
+        <p:txBody>
+          <a:bodyPr/>
+          <a:lstStyle/>
+          <a:p>
+            <a:r>
+              <a:rPr lang="en-US" dirty="0"/>
+              <a:t>Figure caption: Illustration of the interplay between the reproductive output and the external density dependence. The model simulates a size spectrum of each species (right). From that spectrum it calculates the reproductive output (blue arrow). The reproductive output is reduced by imposing an external density dependence in the form of a stock recruitment relationship (left panel; green line). The recruitment then determines the flow of new recruits into the size spectrum. The simulation continues until the size spectrum reaches an equilibrium (which may be a dynamic equilibrium). Changing </a:t>
+            </a:r>
+            <a:r>
+              <a:rPr lang="en-US" dirty="0" err="1"/>
+              <a:t>Rmax</a:t>
+            </a:r>
+            <a:r>
+              <a:rPr lang="en-US" dirty="0"/>
+              <a:t> up or down by a factor results in a change up or down of the spectrum by the same factor. </a:t>
+            </a:r>
+            <a:r>
+              <a:rPr lang="en-US" dirty="0" err="1"/>
+              <a:t>Rmax</a:t>
+            </a:r>
+            <a:r>
+              <a:rPr lang="en-US" dirty="0"/>
+              <a:t> therefore functions as the central parameter that adjusts the </a:t>
+            </a:r>
+            <a:r>
+              <a:rPr lang="en-US"/>
+              <a:t>total biomass of a species.</a:t>
+            </a:r>
+            <a:endParaRPr lang="en-US" dirty="0"/>
+          </a:p>
+        </p:txBody>
+      </p:sp>
+      <p:sp>
+        <p:nvSpPr>
+          <p:cNvPr id="4" name="Slide Number Placeholder 3"/>
+          <p:cNvSpPr>
+            <a:spLocks noGrp="1"/>
+          </p:cNvSpPr>
+          <p:nvPr>
+            <p:ph type="sldNum" sz="quarter" idx="5"/>
+          </p:nvPr>
+        </p:nvSpPr>
+        <p:spPr/>
+        <p:txBody>
+          <a:bodyPr/>
+          <a:lstStyle/>
+          <a:p>
+            <a:fld id="{9D8CB13E-DA00-0548-A3B5-17DAA91FAF26}" type="slidenum">
+              <a:rPr lang="en-US" smtClean="0"/>
+              <a:t>2</a:t>
+            </a:fld>
+            <a:endParaRPr lang="en-US"/>
+          </a:p>
+        </p:txBody>
+      </p:sp>
+    </p:spTree>
+    <p:extLst>
+      <p:ext uri="{BB962C8B-B14F-4D97-AF65-F5344CB8AC3E}">
+        <p14:creationId xmlns:p14="http://schemas.microsoft.com/office/powerpoint/2010/main" val="3876027137"/>
+      </p:ext>
+    </p:extLst>
+  </p:cSld>
+  <p:clrMapOvr>
+    <a:masterClrMapping/>
+  </p:clrMapOvr>
+</p:notes>
+</file>
+
 <file path=ppt/slideLayouts/slideLayout1.xml><?xml version="1.0" encoding="utf-8"?>
 <p:sldLayout xmlns:a="http://schemas.openxmlformats.org/drawingml/2006/main" xmlns:r="http://schemas.openxmlformats.org/officeDocument/2006/relationships" xmlns:p="http://schemas.openxmlformats.org/presentationml/2006/main" type="title" preserve="1">
   <p:cSld name="Title Slide">
@@ -744,7 +853,7 @@
           <a:p>
             <a:fld id="{DB6F9C20-A793-E747-A426-FE9EE08BD21D}" type="datetimeFigureOut">
               <a:rPr lang="en-US" smtClean="0"/>
-              <a:t>4/19/21</a:t>
+              <a:t>5/17/21</a:t>
             </a:fld>
             <a:endParaRPr lang="en-US"/>
           </a:p>
@@ -914,7 +1023,7 @@
           <a:p>
             <a:fld id="{DB6F9C20-A793-E747-A426-FE9EE08BD21D}" type="datetimeFigureOut">
               <a:rPr lang="en-US" smtClean="0"/>
-              <a:t>4/19/21</a:t>
+              <a:t>5/17/21</a:t>
             </a:fld>
             <a:endParaRPr lang="en-US"/>
           </a:p>
@@ -1094,7 +1203,7 @@
           <a:p>
             <a:fld id="{DB6F9C20-A793-E747-A426-FE9EE08BD21D}" type="datetimeFigureOut">
               <a:rPr lang="en-US" smtClean="0"/>
-              <a:t>4/19/21</a:t>
+              <a:t>5/17/21</a:t>
             </a:fld>
             <a:endParaRPr lang="en-US"/>
           </a:p>
@@ -1264,7 +1373,7 @@
           <a:p>
             <a:fld id="{DB6F9C20-A793-E747-A426-FE9EE08BD21D}" type="datetimeFigureOut">
               <a:rPr lang="en-US" smtClean="0"/>
-              <a:t>4/19/21</a:t>
+              <a:t>5/17/21</a:t>
             </a:fld>
             <a:endParaRPr lang="en-US"/>
           </a:p>
@@ -1510,7 +1619,7 @@
           <a:p>
             <a:fld id="{DB6F9C20-A793-E747-A426-FE9EE08BD21D}" type="datetimeFigureOut">
               <a:rPr lang="en-US" smtClean="0"/>
-              <a:t>4/19/21</a:t>
+              <a:t>5/17/21</a:t>
             </a:fld>
             <a:endParaRPr lang="en-US"/>
           </a:p>
@@ -1798,7 +1907,7 @@
           <a:p>
             <a:fld id="{DB6F9C20-A793-E747-A426-FE9EE08BD21D}" type="datetimeFigureOut">
               <a:rPr lang="en-US" smtClean="0"/>
-              <a:t>4/19/21</a:t>
+              <a:t>5/17/21</a:t>
             </a:fld>
             <a:endParaRPr lang="en-US"/>
           </a:p>
@@ -2225,7 +2334,7 @@
           <a:p>
             <a:fld id="{DB6F9C20-A793-E747-A426-FE9EE08BD21D}" type="datetimeFigureOut">
               <a:rPr lang="en-US" smtClean="0"/>
-              <a:t>4/19/21</a:t>
+              <a:t>5/17/21</a:t>
             </a:fld>
             <a:endParaRPr lang="en-US"/>
           </a:p>
@@ -2343,7 +2452,7 @@
           <a:p>
             <a:fld id="{DB6F9C20-A793-E747-A426-FE9EE08BD21D}" type="datetimeFigureOut">
               <a:rPr lang="en-US" smtClean="0"/>
-              <a:t>4/19/21</a:t>
+              <a:t>5/17/21</a:t>
             </a:fld>
             <a:endParaRPr lang="en-US"/>
           </a:p>
@@ -2438,7 +2547,7 @@
           <a:p>
             <a:fld id="{DB6F9C20-A793-E747-A426-FE9EE08BD21D}" type="datetimeFigureOut">
               <a:rPr lang="en-US" smtClean="0"/>
-              <a:t>4/19/21</a:t>
+              <a:t>5/17/21</a:t>
             </a:fld>
             <a:endParaRPr lang="en-US"/>
           </a:p>
@@ -2715,7 +2824,7 @@
           <a:p>
             <a:fld id="{DB6F9C20-A793-E747-A426-FE9EE08BD21D}" type="datetimeFigureOut">
               <a:rPr lang="en-US" smtClean="0"/>
-              <a:t>4/19/21</a:t>
+              <a:t>5/17/21</a:t>
             </a:fld>
             <a:endParaRPr lang="en-US"/>
           </a:p>
@@ -2968,7 +3077,7 @@
           <a:p>
             <a:fld id="{DB6F9C20-A793-E747-A426-FE9EE08BD21D}" type="datetimeFigureOut">
               <a:rPr lang="en-US" smtClean="0"/>
-              <a:t>4/19/21</a:t>
+              <a:t>5/17/21</a:t>
             </a:fld>
             <a:endParaRPr lang="en-US"/>
           </a:p>
@@ -3181,7 +3290,7 @@
           <a:p>
             <a:fld id="{DB6F9C20-A793-E747-A426-FE9EE08BD21D}" type="datetimeFigureOut">
               <a:rPr lang="en-US" smtClean="0"/>
-              <a:t>4/19/21</a:t>
+              <a:t>5/17/21</a:t>
             </a:fld>
             <a:endParaRPr lang="en-US"/>
           </a:p>
@@ -3580,8 +3689,8 @@
           <a:noFill/>
         </p:spPr>
       </p:pic>
-      <mc:AlternateContent xmlns:mc="http://schemas.openxmlformats.org/markup-compatibility/2006">
-        <mc:Choice xmlns:a14="http://schemas.microsoft.com/office/drawing/2010/main" Requires="a14">
+      <mc:AlternateContent xmlns:mc="http://schemas.openxmlformats.org/markup-compatibility/2006" xmlns:a14="http://schemas.microsoft.com/office/drawing/2010/main">
+        <mc:Choice Requires="a14">
           <p:sp>
             <p:nvSpPr>
               <p:cNvPr id="4" name="Rounded Rectangle 3"/>
@@ -3708,7 +3817,7 @@
             </p:txBody>
           </p:sp>
         </mc:Choice>
-        <mc:Fallback>
+        <mc:Fallback xmlns="">
           <p:sp>
             <p:nvSpPr>
               <p:cNvPr id="4" name="Rounded Rectangle 3"/>
@@ -3755,8 +3864,8 @@
           </p:sp>
         </mc:Fallback>
       </mc:AlternateContent>
-      <mc:AlternateContent xmlns:mc="http://schemas.openxmlformats.org/markup-compatibility/2006">
-        <mc:Choice xmlns:a14="http://schemas.microsoft.com/office/drawing/2010/main" Requires="a14">
+      <mc:AlternateContent xmlns:mc="http://schemas.openxmlformats.org/markup-compatibility/2006" xmlns:a14="http://schemas.microsoft.com/office/drawing/2010/main">
+        <mc:Choice Requires="a14">
           <p:sp>
             <p:nvSpPr>
               <p:cNvPr id="11" name="Rounded Rectangle 10"/>
@@ -3853,7 +3962,7 @@
             </p:txBody>
           </p:sp>
         </mc:Choice>
-        <mc:Fallback>
+        <mc:Fallback xmlns="">
           <p:sp>
             <p:nvSpPr>
               <p:cNvPr id="11" name="Rounded Rectangle 10"/>
@@ -4160,8 +4269,8 @@
           </a:p>
         </p:txBody>
       </p:sp>
-      <mc:AlternateContent xmlns:mc="http://schemas.openxmlformats.org/markup-compatibility/2006">
-        <mc:Choice xmlns:a14="http://schemas.microsoft.com/office/drawing/2010/main" Requires="a14">
+      <mc:AlternateContent xmlns:mc="http://schemas.openxmlformats.org/markup-compatibility/2006" xmlns:a14="http://schemas.microsoft.com/office/drawing/2010/main">
+        <mc:Choice Requires="a14">
           <p:sp>
             <p:nvSpPr>
               <p:cNvPr id="15" name="Rounded Rectangle 14"/>
@@ -4280,7 +4389,7 @@
             </p:txBody>
           </p:sp>
         </mc:Choice>
-        <mc:Fallback>
+        <mc:Fallback xmlns="">
           <p:sp>
             <p:nvSpPr>
               <p:cNvPr id="15" name="Rounded Rectangle 14"/>
@@ -4327,8 +4436,8 @@
           </p:sp>
         </mc:Fallback>
       </mc:AlternateContent>
-      <mc:AlternateContent xmlns:mc="http://schemas.openxmlformats.org/markup-compatibility/2006">
-        <mc:Choice xmlns:a14="http://schemas.microsoft.com/office/drawing/2010/main" Requires="a14">
+      <mc:AlternateContent xmlns:mc="http://schemas.openxmlformats.org/markup-compatibility/2006" xmlns:a14="http://schemas.microsoft.com/office/drawing/2010/main">
+        <mc:Choice Requires="a14">
           <p:sp>
             <p:nvSpPr>
               <p:cNvPr id="16" name="Rounded Rectangle 15"/>
@@ -4451,7 +4560,7 @@
             </p:txBody>
           </p:sp>
         </mc:Choice>
-        <mc:Fallback>
+        <mc:Fallback xmlns="">
           <p:sp>
             <p:nvSpPr>
               <p:cNvPr id="16" name="Rounded Rectangle 15"/>
@@ -4498,8 +4607,8 @@
           </p:sp>
         </mc:Fallback>
       </mc:AlternateContent>
-      <mc:AlternateContent xmlns:mc="http://schemas.openxmlformats.org/markup-compatibility/2006">
-        <mc:Choice xmlns:a14="http://schemas.microsoft.com/office/drawing/2010/main" Requires="a14">
+      <mc:AlternateContent xmlns:mc="http://schemas.openxmlformats.org/markup-compatibility/2006" xmlns:a14="http://schemas.microsoft.com/office/drawing/2010/main">
+        <mc:Choice Requires="a14">
           <p:sp>
             <p:nvSpPr>
               <p:cNvPr id="17" name="Rounded Rectangle 16"/>
@@ -4598,7 +4707,7 @@
             </p:txBody>
           </p:sp>
         </mc:Choice>
-        <mc:Fallback>
+        <mc:Fallback xmlns="">
           <p:sp>
             <p:nvSpPr>
               <p:cNvPr id="17" name="Rounded Rectangle 16"/>
@@ -5849,6 +5958,1611 @@
     <p:extLst>
       <p:ext uri="{BB962C8B-B14F-4D97-AF65-F5344CB8AC3E}">
         <p14:creationId xmlns:p14="http://schemas.microsoft.com/office/powerpoint/2010/main" val="2940787995"/>
+      </p:ext>
+    </p:extLst>
+  </p:cSld>
+  <p:clrMapOvr>
+    <a:masterClrMapping/>
+  </p:clrMapOvr>
+</p:sld>
+</file>
+
+<file path=ppt/slides/slide2.xml><?xml version="1.0" encoding="utf-8"?>
+<p:sld xmlns:a="http://schemas.openxmlformats.org/drawingml/2006/main" xmlns:r="http://schemas.openxmlformats.org/officeDocument/2006/relationships" xmlns:p="http://schemas.openxmlformats.org/presentationml/2006/main">
+  <p:cSld>
+    <p:spTree>
+      <p:nvGrpSpPr>
+        <p:cNvPr id="1" name=""/>
+        <p:cNvGrpSpPr/>
+        <p:nvPr/>
+      </p:nvGrpSpPr>
+      <p:grpSpPr>
+        <a:xfrm>
+          <a:off x="0" y="0"/>
+          <a:ext cx="0" cy="0"/>
+          <a:chOff x="0" y="0"/>
+          <a:chExt cx="0" cy="0"/>
+        </a:xfrm>
+      </p:grpSpPr>
+      <p:sp>
+        <p:nvSpPr>
+          <p:cNvPr id="45" name="Rectangle 44">
+            <a:extLst>
+              <a:ext uri="{FF2B5EF4-FFF2-40B4-BE49-F238E27FC236}">
+                <a16:creationId xmlns:a16="http://schemas.microsoft.com/office/drawing/2014/main" id="{956ECC70-3EDC-6041-A786-0F25D7CD8CDE}"/>
+              </a:ext>
+            </a:extLst>
+          </p:cNvPr>
+          <p:cNvSpPr/>
+          <p:nvPr/>
+        </p:nvSpPr>
+        <p:spPr>
+          <a:xfrm>
+            <a:off x="72546" y="3077155"/>
+            <a:ext cx="2623931" cy="1770541"/>
+          </a:xfrm>
+          <a:prstGeom prst="rect">
+            <a:avLst/>
+          </a:prstGeom>
+          <a:solidFill>
+            <a:schemeClr val="bg1">
+              <a:lumMod val="75000"/>
+            </a:schemeClr>
+          </a:solidFill>
+          <a:ln>
+            <a:noFill/>
+          </a:ln>
+        </p:spPr>
+        <p:style>
+          <a:lnRef idx="1">
+            <a:schemeClr val="accent1"/>
+          </a:lnRef>
+          <a:fillRef idx="3">
+            <a:schemeClr val="accent1"/>
+          </a:fillRef>
+          <a:effectRef idx="2">
+            <a:schemeClr val="accent1"/>
+          </a:effectRef>
+          <a:fontRef idx="minor">
+            <a:schemeClr val="lt1"/>
+          </a:fontRef>
+        </p:style>
+        <p:txBody>
+          <a:bodyPr rtlCol="0" anchor="ctr"/>
+          <a:lstStyle/>
+          <a:p>
+            <a:pPr algn="ctr"/>
+            <a:endParaRPr lang="en-US"/>
+          </a:p>
+        </p:txBody>
+      </p:sp>
+      <p:sp>
+        <p:nvSpPr>
+          <p:cNvPr id="44" name="Rectangle 43">
+            <a:extLst>
+              <a:ext uri="{FF2B5EF4-FFF2-40B4-BE49-F238E27FC236}">
+                <a16:creationId xmlns:a16="http://schemas.microsoft.com/office/drawing/2014/main" id="{67CD0F29-225D-F143-83DA-EC818672BD0B}"/>
+              </a:ext>
+            </a:extLst>
+          </p:cNvPr>
+          <p:cNvSpPr/>
+          <p:nvPr/>
+        </p:nvSpPr>
+        <p:spPr>
+          <a:xfrm>
+            <a:off x="2981739" y="3077155"/>
+            <a:ext cx="2623931" cy="1770541"/>
+          </a:xfrm>
+          <a:prstGeom prst="rect">
+            <a:avLst/>
+          </a:prstGeom>
+          <a:solidFill>
+            <a:schemeClr val="bg1">
+              <a:lumMod val="75000"/>
+            </a:schemeClr>
+          </a:solidFill>
+          <a:ln>
+            <a:noFill/>
+          </a:ln>
+        </p:spPr>
+        <p:style>
+          <a:lnRef idx="1">
+            <a:schemeClr val="accent1"/>
+          </a:lnRef>
+          <a:fillRef idx="3">
+            <a:schemeClr val="accent1"/>
+          </a:fillRef>
+          <a:effectRef idx="2">
+            <a:schemeClr val="accent1"/>
+          </a:effectRef>
+          <a:fontRef idx="minor">
+            <a:schemeClr val="lt1"/>
+          </a:fontRef>
+        </p:style>
+        <p:txBody>
+          <a:bodyPr rtlCol="0" anchor="ctr"/>
+          <a:lstStyle/>
+          <a:p>
+            <a:pPr algn="ctr"/>
+            <a:endParaRPr lang="en-US"/>
+          </a:p>
+        </p:txBody>
+      </p:sp>
+      <p:grpSp>
+        <p:nvGrpSpPr>
+          <p:cNvPr id="41" name="Group 40">
+            <a:extLst>
+              <a:ext uri="{FF2B5EF4-FFF2-40B4-BE49-F238E27FC236}">
+                <a16:creationId xmlns:a16="http://schemas.microsoft.com/office/drawing/2014/main" id="{2DF0107F-3AE5-8B49-A0E5-96EC97F02A2C}"/>
+              </a:ext>
+            </a:extLst>
+          </p:cNvPr>
+          <p:cNvGrpSpPr/>
+          <p:nvPr/>
+        </p:nvGrpSpPr>
+        <p:grpSpPr>
+          <a:xfrm>
+            <a:off x="3265714" y="3243942"/>
+            <a:ext cx="2166257" cy="1349829"/>
+            <a:chOff x="3265714" y="3243942"/>
+            <a:chExt cx="2166257" cy="1349829"/>
+          </a:xfrm>
+        </p:grpSpPr>
+        <p:sp>
+          <p:nvSpPr>
+            <p:cNvPr id="38" name="Freeform 37">
+              <a:extLst>
+                <a:ext uri="{FF2B5EF4-FFF2-40B4-BE49-F238E27FC236}">
+                  <a16:creationId xmlns:a16="http://schemas.microsoft.com/office/drawing/2014/main" id="{9C6D6E20-6A9A-3F4C-8282-C7AFA5F825DC}"/>
+                </a:ext>
+              </a:extLst>
+            </p:cNvPr>
+            <p:cNvSpPr/>
+            <p:nvPr/>
+          </p:nvSpPr>
+          <p:spPr>
+            <a:xfrm>
+              <a:off x="4673600" y="3875315"/>
+              <a:ext cx="433287" cy="610682"/>
+            </a:xfrm>
+            <a:custGeom>
+              <a:avLst/>
+              <a:gdLst>
+                <a:gd name="connsiteX0" fmla="*/ 22827 w 481240"/>
+                <a:gd name="connsiteY0" fmla="*/ 37037 h 698391"/>
+                <a:gd name="connsiteX1" fmla="*/ 244170 w 481240"/>
+                <a:gd name="connsiteY1" fmla="*/ 84209 h 698391"/>
+                <a:gd name="connsiteX2" fmla="*/ 374798 w 481240"/>
+                <a:gd name="connsiteY2" fmla="*/ 222094 h 698391"/>
+                <a:gd name="connsiteX3" fmla="*/ 436484 w 481240"/>
+                <a:gd name="connsiteY3" fmla="*/ 447066 h 698391"/>
+                <a:gd name="connsiteX4" fmla="*/ 454627 w 481240"/>
+                <a:gd name="connsiteY4" fmla="*/ 643009 h 698391"/>
+                <a:gd name="connsiteX5" fmla="*/ 55484 w 481240"/>
+                <a:gd name="connsiteY5" fmla="*/ 646637 h 698391"/>
+                <a:gd name="connsiteX6" fmla="*/ 22827 w 481240"/>
+                <a:gd name="connsiteY6" fmla="*/ 37037 h 698391"/>
+                <a:gd name="connsiteX0" fmla="*/ 22827 w 481240"/>
+                <a:gd name="connsiteY0" fmla="*/ 37037 h 698391"/>
+                <a:gd name="connsiteX1" fmla="*/ 244170 w 481240"/>
+                <a:gd name="connsiteY1" fmla="*/ 84209 h 698391"/>
+                <a:gd name="connsiteX2" fmla="*/ 374798 w 481240"/>
+                <a:gd name="connsiteY2" fmla="*/ 222094 h 698391"/>
+                <a:gd name="connsiteX3" fmla="*/ 436484 w 481240"/>
+                <a:gd name="connsiteY3" fmla="*/ 447066 h 698391"/>
+                <a:gd name="connsiteX4" fmla="*/ 454627 w 481240"/>
+                <a:gd name="connsiteY4" fmla="*/ 643009 h 698391"/>
+                <a:gd name="connsiteX5" fmla="*/ 55484 w 481240"/>
+                <a:gd name="connsiteY5" fmla="*/ 646637 h 698391"/>
+                <a:gd name="connsiteX6" fmla="*/ 22827 w 481240"/>
+                <a:gd name="connsiteY6" fmla="*/ 37037 h 698391"/>
+                <a:gd name="connsiteX0" fmla="*/ 22827 w 481240"/>
+                <a:gd name="connsiteY0" fmla="*/ 0 h 661354"/>
+                <a:gd name="connsiteX1" fmla="*/ 244170 w 481240"/>
+                <a:gd name="connsiteY1" fmla="*/ 47172 h 661354"/>
+                <a:gd name="connsiteX2" fmla="*/ 374798 w 481240"/>
+                <a:gd name="connsiteY2" fmla="*/ 185057 h 661354"/>
+                <a:gd name="connsiteX3" fmla="*/ 436484 w 481240"/>
+                <a:gd name="connsiteY3" fmla="*/ 410029 h 661354"/>
+                <a:gd name="connsiteX4" fmla="*/ 454627 w 481240"/>
+                <a:gd name="connsiteY4" fmla="*/ 605972 h 661354"/>
+                <a:gd name="connsiteX5" fmla="*/ 55484 w 481240"/>
+                <a:gd name="connsiteY5" fmla="*/ 609600 h 661354"/>
+                <a:gd name="connsiteX6" fmla="*/ 22827 w 481240"/>
+                <a:gd name="connsiteY6" fmla="*/ 0 h 661354"/>
+                <a:gd name="connsiteX0" fmla="*/ 6355 w 464768"/>
+                <a:gd name="connsiteY0" fmla="*/ 0 h 661354"/>
+                <a:gd name="connsiteX1" fmla="*/ 227698 w 464768"/>
+                <a:gd name="connsiteY1" fmla="*/ 47172 h 661354"/>
+                <a:gd name="connsiteX2" fmla="*/ 358326 w 464768"/>
+                <a:gd name="connsiteY2" fmla="*/ 185057 h 661354"/>
+                <a:gd name="connsiteX3" fmla="*/ 420012 w 464768"/>
+                <a:gd name="connsiteY3" fmla="*/ 410029 h 661354"/>
+                <a:gd name="connsiteX4" fmla="*/ 438155 w 464768"/>
+                <a:gd name="connsiteY4" fmla="*/ 605972 h 661354"/>
+                <a:gd name="connsiteX5" fmla="*/ 39012 w 464768"/>
+                <a:gd name="connsiteY5" fmla="*/ 609600 h 661354"/>
+                <a:gd name="connsiteX6" fmla="*/ 6355 w 464768"/>
+                <a:gd name="connsiteY6" fmla="*/ 0 h 661354"/>
+                <a:gd name="connsiteX0" fmla="*/ 6355 w 464768"/>
+                <a:gd name="connsiteY0" fmla="*/ 0 h 661354"/>
+                <a:gd name="connsiteX1" fmla="*/ 227698 w 464768"/>
+                <a:gd name="connsiteY1" fmla="*/ 47172 h 661354"/>
+                <a:gd name="connsiteX2" fmla="*/ 358326 w 464768"/>
+                <a:gd name="connsiteY2" fmla="*/ 185057 h 661354"/>
+                <a:gd name="connsiteX3" fmla="*/ 420012 w 464768"/>
+                <a:gd name="connsiteY3" fmla="*/ 410029 h 661354"/>
+                <a:gd name="connsiteX4" fmla="*/ 438155 w 464768"/>
+                <a:gd name="connsiteY4" fmla="*/ 605972 h 661354"/>
+                <a:gd name="connsiteX5" fmla="*/ 39012 w 464768"/>
+                <a:gd name="connsiteY5" fmla="*/ 609600 h 661354"/>
+                <a:gd name="connsiteX6" fmla="*/ 6355 w 464768"/>
+                <a:gd name="connsiteY6" fmla="*/ 0 h 661354"/>
+                <a:gd name="connsiteX0" fmla="*/ 0 w 458413"/>
+                <a:gd name="connsiteY0" fmla="*/ 0 h 661354"/>
+                <a:gd name="connsiteX1" fmla="*/ 221343 w 458413"/>
+                <a:gd name="connsiteY1" fmla="*/ 47172 h 661354"/>
+                <a:gd name="connsiteX2" fmla="*/ 351971 w 458413"/>
+                <a:gd name="connsiteY2" fmla="*/ 185057 h 661354"/>
+                <a:gd name="connsiteX3" fmla="*/ 413657 w 458413"/>
+                <a:gd name="connsiteY3" fmla="*/ 410029 h 661354"/>
+                <a:gd name="connsiteX4" fmla="*/ 431800 w 458413"/>
+                <a:gd name="connsiteY4" fmla="*/ 605972 h 661354"/>
+                <a:gd name="connsiteX5" fmla="*/ 32657 w 458413"/>
+                <a:gd name="connsiteY5" fmla="*/ 609600 h 661354"/>
+                <a:gd name="connsiteX6" fmla="*/ 0 w 458413"/>
+                <a:gd name="connsiteY6" fmla="*/ 0 h 661354"/>
+                <a:gd name="connsiteX0" fmla="*/ 0 w 458413"/>
+                <a:gd name="connsiteY0" fmla="*/ 0 h 622375"/>
+                <a:gd name="connsiteX1" fmla="*/ 221343 w 458413"/>
+                <a:gd name="connsiteY1" fmla="*/ 47172 h 622375"/>
+                <a:gd name="connsiteX2" fmla="*/ 351971 w 458413"/>
+                <a:gd name="connsiteY2" fmla="*/ 185057 h 622375"/>
+                <a:gd name="connsiteX3" fmla="*/ 413657 w 458413"/>
+                <a:gd name="connsiteY3" fmla="*/ 410029 h 622375"/>
+                <a:gd name="connsiteX4" fmla="*/ 431800 w 458413"/>
+                <a:gd name="connsiteY4" fmla="*/ 605972 h 622375"/>
+                <a:gd name="connsiteX5" fmla="*/ 32657 w 458413"/>
+                <a:gd name="connsiteY5" fmla="*/ 609600 h 622375"/>
+                <a:gd name="connsiteX6" fmla="*/ 0 w 458413"/>
+                <a:gd name="connsiteY6" fmla="*/ 0 h 622375"/>
+                <a:gd name="connsiteX0" fmla="*/ 0 w 458413"/>
+                <a:gd name="connsiteY0" fmla="*/ 0 h 610683"/>
+                <a:gd name="connsiteX1" fmla="*/ 221343 w 458413"/>
+                <a:gd name="connsiteY1" fmla="*/ 47172 h 610683"/>
+                <a:gd name="connsiteX2" fmla="*/ 351971 w 458413"/>
+                <a:gd name="connsiteY2" fmla="*/ 185057 h 610683"/>
+                <a:gd name="connsiteX3" fmla="*/ 413657 w 458413"/>
+                <a:gd name="connsiteY3" fmla="*/ 410029 h 610683"/>
+                <a:gd name="connsiteX4" fmla="*/ 431800 w 458413"/>
+                <a:gd name="connsiteY4" fmla="*/ 605972 h 610683"/>
+                <a:gd name="connsiteX5" fmla="*/ 32657 w 458413"/>
+                <a:gd name="connsiteY5" fmla="*/ 609600 h 610683"/>
+                <a:gd name="connsiteX6" fmla="*/ 0 w 458413"/>
+                <a:gd name="connsiteY6" fmla="*/ 0 h 610683"/>
+                <a:gd name="connsiteX0" fmla="*/ 0 w 433287"/>
+                <a:gd name="connsiteY0" fmla="*/ 0 h 610683"/>
+                <a:gd name="connsiteX1" fmla="*/ 221343 w 433287"/>
+                <a:gd name="connsiteY1" fmla="*/ 47172 h 610683"/>
+                <a:gd name="connsiteX2" fmla="*/ 351971 w 433287"/>
+                <a:gd name="connsiteY2" fmla="*/ 185057 h 610683"/>
+                <a:gd name="connsiteX3" fmla="*/ 413657 w 433287"/>
+                <a:gd name="connsiteY3" fmla="*/ 410029 h 610683"/>
+                <a:gd name="connsiteX4" fmla="*/ 431800 w 433287"/>
+                <a:gd name="connsiteY4" fmla="*/ 605972 h 610683"/>
+                <a:gd name="connsiteX5" fmla="*/ 32657 w 433287"/>
+                <a:gd name="connsiteY5" fmla="*/ 609600 h 610683"/>
+                <a:gd name="connsiteX6" fmla="*/ 0 w 433287"/>
+                <a:gd name="connsiteY6" fmla="*/ 0 h 610683"/>
+                <a:gd name="connsiteX0" fmla="*/ 0 w 433287"/>
+                <a:gd name="connsiteY0" fmla="*/ 0 h 608511"/>
+                <a:gd name="connsiteX1" fmla="*/ 221343 w 433287"/>
+                <a:gd name="connsiteY1" fmla="*/ 47172 h 608511"/>
+                <a:gd name="connsiteX2" fmla="*/ 351971 w 433287"/>
+                <a:gd name="connsiteY2" fmla="*/ 185057 h 608511"/>
+                <a:gd name="connsiteX3" fmla="*/ 413657 w 433287"/>
+                <a:gd name="connsiteY3" fmla="*/ 410029 h 608511"/>
+                <a:gd name="connsiteX4" fmla="*/ 431800 w 433287"/>
+                <a:gd name="connsiteY4" fmla="*/ 605972 h 608511"/>
+                <a:gd name="connsiteX5" fmla="*/ 18142 w 433287"/>
+                <a:gd name="connsiteY5" fmla="*/ 605971 h 608511"/>
+                <a:gd name="connsiteX6" fmla="*/ 0 w 433287"/>
+                <a:gd name="connsiteY6" fmla="*/ 0 h 608511"/>
+                <a:gd name="connsiteX0" fmla="*/ 0 w 433287"/>
+                <a:gd name="connsiteY0" fmla="*/ 0 h 608511"/>
+                <a:gd name="connsiteX1" fmla="*/ 221343 w 433287"/>
+                <a:gd name="connsiteY1" fmla="*/ 47172 h 608511"/>
+                <a:gd name="connsiteX2" fmla="*/ 351971 w 433287"/>
+                <a:gd name="connsiteY2" fmla="*/ 185057 h 608511"/>
+                <a:gd name="connsiteX3" fmla="*/ 413657 w 433287"/>
+                <a:gd name="connsiteY3" fmla="*/ 410029 h 608511"/>
+                <a:gd name="connsiteX4" fmla="*/ 431800 w 433287"/>
+                <a:gd name="connsiteY4" fmla="*/ 605972 h 608511"/>
+                <a:gd name="connsiteX5" fmla="*/ 18142 w 433287"/>
+                <a:gd name="connsiteY5" fmla="*/ 605971 h 608511"/>
+                <a:gd name="connsiteX6" fmla="*/ 0 w 433287"/>
+                <a:gd name="connsiteY6" fmla="*/ 0 h 608511"/>
+                <a:gd name="connsiteX0" fmla="*/ 2401 w 435688"/>
+                <a:gd name="connsiteY0" fmla="*/ 0 h 610682"/>
+                <a:gd name="connsiteX1" fmla="*/ 223744 w 435688"/>
+                <a:gd name="connsiteY1" fmla="*/ 47172 h 610682"/>
+                <a:gd name="connsiteX2" fmla="*/ 354372 w 435688"/>
+                <a:gd name="connsiteY2" fmla="*/ 185057 h 610682"/>
+                <a:gd name="connsiteX3" fmla="*/ 416058 w 435688"/>
+                <a:gd name="connsiteY3" fmla="*/ 410029 h 610682"/>
+                <a:gd name="connsiteX4" fmla="*/ 434201 w 435688"/>
+                <a:gd name="connsiteY4" fmla="*/ 605972 h 610682"/>
+                <a:gd name="connsiteX5" fmla="*/ 6029 w 435688"/>
+                <a:gd name="connsiteY5" fmla="*/ 609599 h 610682"/>
+                <a:gd name="connsiteX6" fmla="*/ 2401 w 435688"/>
+                <a:gd name="connsiteY6" fmla="*/ 0 h 610682"/>
+                <a:gd name="connsiteX0" fmla="*/ 0 w 433287"/>
+                <a:gd name="connsiteY0" fmla="*/ 0 h 610682"/>
+                <a:gd name="connsiteX1" fmla="*/ 221343 w 433287"/>
+                <a:gd name="connsiteY1" fmla="*/ 47172 h 610682"/>
+                <a:gd name="connsiteX2" fmla="*/ 351971 w 433287"/>
+                <a:gd name="connsiteY2" fmla="*/ 185057 h 610682"/>
+                <a:gd name="connsiteX3" fmla="*/ 413657 w 433287"/>
+                <a:gd name="connsiteY3" fmla="*/ 410029 h 610682"/>
+                <a:gd name="connsiteX4" fmla="*/ 431800 w 433287"/>
+                <a:gd name="connsiteY4" fmla="*/ 605972 h 610682"/>
+                <a:gd name="connsiteX5" fmla="*/ 3628 w 433287"/>
+                <a:gd name="connsiteY5" fmla="*/ 609599 h 610682"/>
+                <a:gd name="connsiteX6" fmla="*/ 0 w 433287"/>
+                <a:gd name="connsiteY6" fmla="*/ 0 h 610682"/>
+                <a:gd name="connsiteX0" fmla="*/ 0 w 433287"/>
+                <a:gd name="connsiteY0" fmla="*/ 0 h 610682"/>
+                <a:gd name="connsiteX1" fmla="*/ 221343 w 433287"/>
+                <a:gd name="connsiteY1" fmla="*/ 47172 h 610682"/>
+                <a:gd name="connsiteX2" fmla="*/ 351971 w 433287"/>
+                <a:gd name="connsiteY2" fmla="*/ 185057 h 610682"/>
+                <a:gd name="connsiteX3" fmla="*/ 413657 w 433287"/>
+                <a:gd name="connsiteY3" fmla="*/ 410029 h 610682"/>
+                <a:gd name="connsiteX4" fmla="*/ 431800 w 433287"/>
+                <a:gd name="connsiteY4" fmla="*/ 605972 h 610682"/>
+                <a:gd name="connsiteX5" fmla="*/ 3628 w 433287"/>
+                <a:gd name="connsiteY5" fmla="*/ 609599 h 610682"/>
+                <a:gd name="connsiteX6" fmla="*/ 0 w 433287"/>
+                <a:gd name="connsiteY6" fmla="*/ 0 h 610682"/>
+              </a:gdLst>
+              <a:ahLst/>
+              <a:cxnLst>
+                <a:cxn ang="0">
+                  <a:pos x="connsiteX0" y="connsiteY0"/>
+                </a:cxn>
+                <a:cxn ang="0">
+                  <a:pos x="connsiteX1" y="connsiteY1"/>
+                </a:cxn>
+                <a:cxn ang="0">
+                  <a:pos x="connsiteX2" y="connsiteY2"/>
+                </a:cxn>
+                <a:cxn ang="0">
+                  <a:pos x="connsiteX3" y="connsiteY3"/>
+                </a:cxn>
+                <a:cxn ang="0">
+                  <a:pos x="connsiteX4" y="connsiteY4"/>
+                </a:cxn>
+                <a:cxn ang="0">
+                  <a:pos x="connsiteX5" y="connsiteY5"/>
+                </a:cxn>
+                <a:cxn ang="0">
+                  <a:pos x="connsiteX6" y="connsiteY6"/>
+                </a:cxn>
+              </a:cxnLst>
+              <a:rect l="l" t="t" r="r" b="b"/>
+              <a:pathLst>
+                <a:path w="433287" h="610682">
+                  <a:moveTo>
+                    <a:pt x="0" y="0"/>
+                  </a:moveTo>
+                  <a:cubicBezTo>
+                    <a:pt x="133048" y="22376"/>
+                    <a:pt x="162681" y="16329"/>
+                    <a:pt x="221343" y="47172"/>
+                  </a:cubicBezTo>
+                  <a:cubicBezTo>
+                    <a:pt x="280005" y="78015"/>
+                    <a:pt x="319919" y="124581"/>
+                    <a:pt x="351971" y="185057"/>
+                  </a:cubicBezTo>
+                  <a:cubicBezTo>
+                    <a:pt x="384023" y="245533"/>
+                    <a:pt x="400352" y="339876"/>
+                    <a:pt x="413657" y="410029"/>
+                  </a:cubicBezTo>
+                  <a:cubicBezTo>
+                    <a:pt x="426962" y="480182"/>
+                    <a:pt x="437243" y="503767"/>
+                    <a:pt x="431800" y="605972"/>
+                  </a:cubicBezTo>
+                  <a:cubicBezTo>
+                    <a:pt x="270329" y="610206"/>
+                    <a:pt x="289076" y="612018"/>
+                    <a:pt x="3628" y="609599"/>
+                  </a:cubicBezTo>
+                  <a:cubicBezTo>
+                    <a:pt x="1210" y="276980"/>
+                    <a:pt x="12095" y="434824"/>
+                    <a:pt x="0" y="0"/>
+                  </a:cubicBezTo>
+                  <a:close/>
+                </a:path>
+              </a:pathLst>
+            </a:custGeom>
+            <a:ln>
+              <a:noFill/>
+            </a:ln>
+          </p:spPr>
+          <p:style>
+            <a:lnRef idx="1">
+              <a:schemeClr val="accent1"/>
+            </a:lnRef>
+            <a:fillRef idx="3">
+              <a:schemeClr val="accent1"/>
+            </a:fillRef>
+            <a:effectRef idx="2">
+              <a:schemeClr val="accent1"/>
+            </a:effectRef>
+            <a:fontRef idx="minor">
+              <a:schemeClr val="lt1"/>
+            </a:fontRef>
+          </p:style>
+          <p:txBody>
+            <a:bodyPr rtlCol="0" anchor="ctr"/>
+            <a:lstStyle/>
+            <a:p>
+              <a:pPr algn="ctr"/>
+              <a:endParaRPr lang="en-US"/>
+            </a:p>
+          </p:txBody>
+        </p:sp>
+        <p:grpSp>
+          <p:nvGrpSpPr>
+            <p:cNvPr id="9" name="Group 8">
+              <a:extLst>
+                <a:ext uri="{FF2B5EF4-FFF2-40B4-BE49-F238E27FC236}">
+                  <a16:creationId xmlns:a16="http://schemas.microsoft.com/office/drawing/2014/main" id="{FF03292F-3174-5C44-BD26-D2FEE60A26EC}"/>
+                </a:ext>
+              </a:extLst>
+            </p:cNvPr>
+            <p:cNvGrpSpPr/>
+            <p:nvPr/>
+          </p:nvGrpSpPr>
+          <p:grpSpPr>
+            <a:xfrm>
+              <a:off x="3265714" y="3243942"/>
+              <a:ext cx="2166257" cy="1349829"/>
+              <a:chOff x="3276600" y="3951514"/>
+              <a:chExt cx="2166257" cy="1349829"/>
+            </a:xfrm>
+          </p:grpSpPr>
+          <p:cxnSp>
+            <p:nvCxnSpPr>
+              <p:cNvPr id="5" name="Straight Arrow Connector 4">
+                <a:extLst>
+                  <a:ext uri="{FF2B5EF4-FFF2-40B4-BE49-F238E27FC236}">
+                    <a16:creationId xmlns:a16="http://schemas.microsoft.com/office/drawing/2014/main" id="{C75C87D1-740C-C447-95D0-64B58AB9728A}"/>
+                  </a:ext>
+                </a:extLst>
+              </p:cNvPr>
+              <p:cNvCxnSpPr/>
+              <p:nvPr/>
+            </p:nvCxnSpPr>
+            <p:spPr>
+              <a:xfrm>
+                <a:off x="3276600" y="5301343"/>
+                <a:ext cx="2166257" cy="0"/>
+              </a:xfrm>
+              <a:prstGeom prst="straightConnector1">
+                <a:avLst/>
+              </a:prstGeom>
+              <a:ln>
+                <a:solidFill>
+                  <a:schemeClr val="tx1">
+                    <a:lumMod val="95000"/>
+                    <a:lumOff val="5000"/>
+                  </a:schemeClr>
+                </a:solidFill>
+                <a:tailEnd type="triangle"/>
+              </a:ln>
+            </p:spPr>
+            <p:style>
+              <a:lnRef idx="2">
+                <a:schemeClr val="accent1"/>
+              </a:lnRef>
+              <a:fillRef idx="0">
+                <a:schemeClr val="accent1"/>
+              </a:fillRef>
+              <a:effectRef idx="1">
+                <a:schemeClr val="accent1"/>
+              </a:effectRef>
+              <a:fontRef idx="minor">
+                <a:schemeClr val="tx1"/>
+              </a:fontRef>
+            </p:style>
+          </p:cxnSp>
+          <p:cxnSp>
+            <p:nvCxnSpPr>
+              <p:cNvPr id="6" name="Straight Arrow Connector 5">
+                <a:extLst>
+                  <a:ext uri="{FF2B5EF4-FFF2-40B4-BE49-F238E27FC236}">
+                    <a16:creationId xmlns:a16="http://schemas.microsoft.com/office/drawing/2014/main" id="{42C3E344-ACEE-DC49-B979-2CDE73874FF8}"/>
+                  </a:ext>
+                </a:extLst>
+              </p:cNvPr>
+              <p:cNvCxnSpPr>
+                <a:cxnSpLocks/>
+              </p:cNvCxnSpPr>
+              <p:nvPr/>
+            </p:nvCxnSpPr>
+            <p:spPr>
+              <a:xfrm flipV="1">
+                <a:off x="3276600" y="3951514"/>
+                <a:ext cx="0" cy="1349829"/>
+              </a:xfrm>
+              <a:prstGeom prst="straightConnector1">
+                <a:avLst/>
+              </a:prstGeom>
+              <a:ln>
+                <a:solidFill>
+                  <a:schemeClr val="tx1">
+                    <a:lumMod val="95000"/>
+                    <a:lumOff val="5000"/>
+                  </a:schemeClr>
+                </a:solidFill>
+                <a:tailEnd type="triangle"/>
+              </a:ln>
+            </p:spPr>
+            <p:style>
+              <a:lnRef idx="2">
+                <a:schemeClr val="accent1"/>
+              </a:lnRef>
+              <a:fillRef idx="0">
+                <a:schemeClr val="accent1"/>
+              </a:fillRef>
+              <a:effectRef idx="1">
+                <a:schemeClr val="accent1"/>
+              </a:effectRef>
+              <a:fontRef idx="minor">
+                <a:schemeClr val="tx1"/>
+              </a:fontRef>
+            </p:style>
+          </p:cxnSp>
+        </p:grpSp>
+        <p:sp>
+          <p:nvSpPr>
+            <p:cNvPr id="13" name="Freeform 12">
+              <a:extLst>
+                <a:ext uri="{FF2B5EF4-FFF2-40B4-BE49-F238E27FC236}">
+                  <a16:creationId xmlns:a16="http://schemas.microsoft.com/office/drawing/2014/main" id="{C4EB5CCE-7C7E-F544-B2E4-D1568C3F83F0}"/>
+                </a:ext>
+              </a:extLst>
+            </p:cNvPr>
+            <p:cNvSpPr/>
+            <p:nvPr/>
+          </p:nvSpPr>
+          <p:spPr>
+            <a:xfrm>
+              <a:off x="3424518" y="3514165"/>
+              <a:ext cx="1677328" cy="968188"/>
+            </a:xfrm>
+            <a:custGeom>
+              <a:avLst/>
+              <a:gdLst>
+                <a:gd name="connsiteX0" fmla="*/ 0 w 1677328"/>
+                <a:gd name="connsiteY0" fmla="*/ 0 h 968188"/>
+                <a:gd name="connsiteX1" fmla="*/ 1667435 w 1677328"/>
+                <a:gd name="connsiteY1" fmla="*/ 788894 h 968188"/>
+                <a:gd name="connsiteX2" fmla="*/ 1676400 w 1677328"/>
+                <a:gd name="connsiteY2" fmla="*/ 842682 h 968188"/>
+                <a:gd name="connsiteX3" fmla="*/ 1676400 w 1677328"/>
+                <a:gd name="connsiteY3" fmla="*/ 968188 h 968188"/>
+              </a:gdLst>
+              <a:ahLst/>
+              <a:cxnLst>
+                <a:cxn ang="0">
+                  <a:pos x="connsiteX0" y="connsiteY0"/>
+                </a:cxn>
+                <a:cxn ang="0">
+                  <a:pos x="connsiteX1" y="connsiteY1"/>
+                </a:cxn>
+                <a:cxn ang="0">
+                  <a:pos x="connsiteX2" y="connsiteY2"/>
+                </a:cxn>
+                <a:cxn ang="0">
+                  <a:pos x="connsiteX3" y="connsiteY3"/>
+                </a:cxn>
+              </a:cxnLst>
+              <a:rect l="l" t="t" r="r" b="b"/>
+              <a:pathLst>
+                <a:path w="1677328" h="968188">
+                  <a:moveTo>
+                    <a:pt x="0" y="0"/>
+                  </a:moveTo>
+                  <a:cubicBezTo>
+                    <a:pt x="1323899" y="568412"/>
+                    <a:pt x="1535862" y="131025"/>
+                    <a:pt x="1667435" y="788894"/>
+                  </a:cubicBezTo>
+                  <a:cubicBezTo>
+                    <a:pt x="1671000" y="806718"/>
+                    <a:pt x="1675492" y="824528"/>
+                    <a:pt x="1676400" y="842682"/>
+                  </a:cubicBezTo>
+                  <a:cubicBezTo>
+                    <a:pt x="1678489" y="884465"/>
+                    <a:pt x="1676400" y="926353"/>
+                    <a:pt x="1676400" y="968188"/>
+                  </a:cubicBezTo>
+                </a:path>
+              </a:pathLst>
+            </a:custGeom>
+            <a:noFill/>
+            <a:ln w="38100">
+              <a:solidFill>
+                <a:schemeClr val="accent6">
+                  <a:lumMod val="50000"/>
+                </a:schemeClr>
+              </a:solidFill>
+            </a:ln>
+            <a:effectLst/>
+          </p:spPr>
+          <p:style>
+            <a:lnRef idx="1">
+              <a:schemeClr val="accent1"/>
+            </a:lnRef>
+            <a:fillRef idx="3">
+              <a:schemeClr val="accent1"/>
+            </a:fillRef>
+            <a:effectRef idx="2">
+              <a:schemeClr val="accent1"/>
+            </a:effectRef>
+            <a:fontRef idx="minor">
+              <a:schemeClr val="lt1"/>
+            </a:fontRef>
+          </p:style>
+          <p:txBody>
+            <a:bodyPr rtlCol="0" anchor="ctr"/>
+            <a:lstStyle/>
+            <a:p>
+              <a:pPr algn="ctr"/>
+              <a:endParaRPr lang="en-US"/>
+            </a:p>
+          </p:txBody>
+        </p:sp>
+      </p:grpSp>
+      <p:grpSp>
+        <p:nvGrpSpPr>
+          <p:cNvPr id="22" name="Group 21">
+            <a:extLst>
+              <a:ext uri="{FF2B5EF4-FFF2-40B4-BE49-F238E27FC236}">
+                <a16:creationId xmlns:a16="http://schemas.microsoft.com/office/drawing/2014/main" id="{715FE5CE-3BB3-FA46-8D13-4C820CB555B3}"/>
+              </a:ext>
+            </a:extLst>
+          </p:cNvPr>
+          <p:cNvGrpSpPr/>
+          <p:nvPr/>
+        </p:nvGrpSpPr>
+        <p:grpSpPr>
+          <a:xfrm>
+            <a:off x="795603" y="3993137"/>
+            <a:ext cx="4108091" cy="1110341"/>
+            <a:chOff x="795603" y="3993137"/>
+            <a:chExt cx="4108091" cy="1110341"/>
+          </a:xfrm>
+        </p:grpSpPr>
+        <p:cxnSp>
+          <p:nvCxnSpPr>
+            <p:cNvPr id="15" name="Straight Connector 14">
+              <a:extLst>
+                <a:ext uri="{FF2B5EF4-FFF2-40B4-BE49-F238E27FC236}">
+                  <a16:creationId xmlns:a16="http://schemas.microsoft.com/office/drawing/2014/main" id="{50D8E73A-F217-F049-B396-FF5C72EE1399}"/>
+                </a:ext>
+              </a:extLst>
+            </p:cNvPr>
+            <p:cNvCxnSpPr/>
+            <p:nvPr/>
+          </p:nvCxnSpPr>
+          <p:spPr>
+            <a:xfrm>
+              <a:off x="4903694" y="4482353"/>
+              <a:ext cx="0" cy="600635"/>
+            </a:xfrm>
+            <a:prstGeom prst="line">
+              <a:avLst/>
+            </a:prstGeom>
+            <a:ln w="47625">
+              <a:solidFill>
+                <a:schemeClr val="tx2">
+                  <a:lumMod val="60000"/>
+                  <a:lumOff val="40000"/>
+                </a:schemeClr>
+              </a:solidFill>
+            </a:ln>
+          </p:spPr>
+          <p:style>
+            <a:lnRef idx="2">
+              <a:schemeClr val="accent1"/>
+            </a:lnRef>
+            <a:fillRef idx="0">
+              <a:schemeClr val="accent1"/>
+            </a:fillRef>
+            <a:effectRef idx="1">
+              <a:schemeClr val="accent1"/>
+            </a:effectRef>
+            <a:fontRef idx="minor">
+              <a:schemeClr val="tx1"/>
+            </a:fontRef>
+          </p:style>
+        </p:cxnSp>
+        <p:cxnSp>
+          <p:nvCxnSpPr>
+            <p:cNvPr id="16" name="Straight Connector 15">
+              <a:extLst>
+                <a:ext uri="{FF2B5EF4-FFF2-40B4-BE49-F238E27FC236}">
+                  <a16:creationId xmlns:a16="http://schemas.microsoft.com/office/drawing/2014/main" id="{BE876C49-CD5A-624C-A698-60F0F2A2D5ED}"/>
+                </a:ext>
+              </a:extLst>
+            </p:cNvPr>
+            <p:cNvCxnSpPr>
+              <a:cxnSpLocks/>
+            </p:cNvCxnSpPr>
+            <p:nvPr/>
+          </p:nvCxnSpPr>
+          <p:spPr>
+            <a:xfrm flipV="1">
+              <a:off x="795603" y="5082988"/>
+              <a:ext cx="4108091" cy="20490"/>
+            </a:xfrm>
+            <a:prstGeom prst="line">
+              <a:avLst/>
+            </a:prstGeom>
+            <a:ln w="47625">
+              <a:solidFill>
+                <a:schemeClr val="tx2">
+                  <a:lumMod val="60000"/>
+                  <a:lumOff val="40000"/>
+                </a:schemeClr>
+              </a:solidFill>
+            </a:ln>
+          </p:spPr>
+          <p:style>
+            <a:lnRef idx="2">
+              <a:schemeClr val="accent1"/>
+            </a:lnRef>
+            <a:fillRef idx="0">
+              <a:schemeClr val="accent1"/>
+            </a:fillRef>
+            <a:effectRef idx="1">
+              <a:schemeClr val="accent1"/>
+            </a:effectRef>
+            <a:fontRef idx="minor">
+              <a:schemeClr val="tx1"/>
+            </a:fontRef>
+          </p:style>
+        </p:cxnSp>
+        <p:cxnSp>
+          <p:nvCxnSpPr>
+            <p:cNvPr id="19" name="Straight Connector 18">
+              <a:extLst>
+                <a:ext uri="{FF2B5EF4-FFF2-40B4-BE49-F238E27FC236}">
+                  <a16:creationId xmlns:a16="http://schemas.microsoft.com/office/drawing/2014/main" id="{9E4C720E-B81C-E84B-8AD4-B224E3A4A814}"/>
+                </a:ext>
+              </a:extLst>
+            </p:cNvPr>
+            <p:cNvCxnSpPr>
+              <a:cxnSpLocks/>
+            </p:cNvCxnSpPr>
+            <p:nvPr/>
+          </p:nvCxnSpPr>
+          <p:spPr>
+            <a:xfrm flipV="1">
+              <a:off x="795603" y="3993137"/>
+              <a:ext cx="0" cy="1110341"/>
+            </a:xfrm>
+            <a:prstGeom prst="line">
+              <a:avLst/>
+            </a:prstGeom>
+            <a:ln w="47625">
+              <a:solidFill>
+                <a:schemeClr val="tx2">
+                  <a:lumMod val="60000"/>
+                  <a:lumOff val="40000"/>
+                </a:schemeClr>
+              </a:solidFill>
+              <a:tailEnd type="triangle"/>
+            </a:ln>
+          </p:spPr>
+          <p:style>
+            <a:lnRef idx="2">
+              <a:schemeClr val="accent1"/>
+            </a:lnRef>
+            <a:fillRef idx="0">
+              <a:schemeClr val="accent1"/>
+            </a:fillRef>
+            <a:effectRef idx="1">
+              <a:schemeClr val="accent1"/>
+            </a:effectRef>
+            <a:fontRef idx="minor">
+              <a:schemeClr val="tx1"/>
+            </a:fontRef>
+          </p:style>
+        </p:cxnSp>
+      </p:grpSp>
+      <p:grpSp>
+        <p:nvGrpSpPr>
+          <p:cNvPr id="42" name="Group 41">
+            <a:extLst>
+              <a:ext uri="{FF2B5EF4-FFF2-40B4-BE49-F238E27FC236}">
+                <a16:creationId xmlns:a16="http://schemas.microsoft.com/office/drawing/2014/main" id="{1648A7F2-2045-3A4B-BDBA-AB0C1FD96AD0}"/>
+              </a:ext>
+            </a:extLst>
+          </p:cNvPr>
+          <p:cNvGrpSpPr/>
+          <p:nvPr/>
+        </p:nvGrpSpPr>
+        <p:grpSpPr>
+          <a:xfrm>
+            <a:off x="154552" y="3253259"/>
+            <a:ext cx="2179978" cy="1349829"/>
+            <a:chOff x="154552" y="3253259"/>
+            <a:chExt cx="2179978" cy="1349829"/>
+          </a:xfrm>
+        </p:grpSpPr>
+        <p:grpSp>
+          <p:nvGrpSpPr>
+            <p:cNvPr id="10" name="Group 9">
+              <a:extLst>
+                <a:ext uri="{FF2B5EF4-FFF2-40B4-BE49-F238E27FC236}">
+                  <a16:creationId xmlns:a16="http://schemas.microsoft.com/office/drawing/2014/main" id="{AE930121-4210-8343-8483-BC46F3DAB942}"/>
+                </a:ext>
+              </a:extLst>
+            </p:cNvPr>
+            <p:cNvGrpSpPr/>
+            <p:nvPr/>
+          </p:nvGrpSpPr>
+          <p:grpSpPr>
+            <a:xfrm>
+              <a:off x="168273" y="3253259"/>
+              <a:ext cx="2166257" cy="1349829"/>
+              <a:chOff x="3276600" y="3951514"/>
+              <a:chExt cx="2166257" cy="1349829"/>
+            </a:xfrm>
+          </p:grpSpPr>
+          <p:cxnSp>
+            <p:nvCxnSpPr>
+              <p:cNvPr id="11" name="Straight Arrow Connector 10">
+                <a:extLst>
+                  <a:ext uri="{FF2B5EF4-FFF2-40B4-BE49-F238E27FC236}">
+                    <a16:creationId xmlns:a16="http://schemas.microsoft.com/office/drawing/2014/main" id="{3F455B37-B18F-D64F-9B1B-0B8007958376}"/>
+                  </a:ext>
+                </a:extLst>
+              </p:cNvPr>
+              <p:cNvCxnSpPr/>
+              <p:nvPr/>
+            </p:nvCxnSpPr>
+            <p:spPr>
+              <a:xfrm>
+                <a:off x="3276600" y="5301343"/>
+                <a:ext cx="2166257" cy="0"/>
+              </a:xfrm>
+              <a:prstGeom prst="straightConnector1">
+                <a:avLst/>
+              </a:prstGeom>
+              <a:ln>
+                <a:solidFill>
+                  <a:schemeClr val="tx1"/>
+                </a:solidFill>
+                <a:tailEnd type="triangle"/>
+              </a:ln>
+            </p:spPr>
+            <p:style>
+              <a:lnRef idx="2">
+                <a:schemeClr val="accent1"/>
+              </a:lnRef>
+              <a:fillRef idx="0">
+                <a:schemeClr val="accent1"/>
+              </a:fillRef>
+              <a:effectRef idx="1">
+                <a:schemeClr val="accent1"/>
+              </a:effectRef>
+              <a:fontRef idx="minor">
+                <a:schemeClr val="tx1"/>
+              </a:fontRef>
+            </p:style>
+          </p:cxnSp>
+          <p:cxnSp>
+            <p:nvCxnSpPr>
+              <p:cNvPr id="12" name="Straight Arrow Connector 11">
+                <a:extLst>
+                  <a:ext uri="{FF2B5EF4-FFF2-40B4-BE49-F238E27FC236}">
+                    <a16:creationId xmlns:a16="http://schemas.microsoft.com/office/drawing/2014/main" id="{634FC0DB-59AA-5948-B518-4978E31FEE33}"/>
+                  </a:ext>
+                </a:extLst>
+              </p:cNvPr>
+              <p:cNvCxnSpPr>
+                <a:cxnSpLocks/>
+              </p:cNvCxnSpPr>
+              <p:nvPr/>
+            </p:nvCxnSpPr>
+            <p:spPr>
+              <a:xfrm flipV="1">
+                <a:off x="3276600" y="3951514"/>
+                <a:ext cx="0" cy="1349829"/>
+              </a:xfrm>
+              <a:prstGeom prst="straightConnector1">
+                <a:avLst/>
+              </a:prstGeom>
+              <a:ln>
+                <a:solidFill>
+                  <a:schemeClr val="tx1"/>
+                </a:solidFill>
+                <a:tailEnd type="triangle"/>
+              </a:ln>
+            </p:spPr>
+            <p:style>
+              <a:lnRef idx="2">
+                <a:schemeClr val="accent1"/>
+              </a:lnRef>
+              <a:fillRef idx="0">
+                <a:schemeClr val="accent1"/>
+              </a:fillRef>
+              <a:effectRef idx="1">
+                <a:schemeClr val="accent1"/>
+              </a:effectRef>
+              <a:fontRef idx="minor">
+                <a:schemeClr val="tx1"/>
+              </a:fontRef>
+            </p:style>
+          </p:cxnSp>
+        </p:grpSp>
+        <p:cxnSp>
+          <p:nvCxnSpPr>
+            <p:cNvPr id="24" name="Straight Connector 23">
+              <a:extLst>
+                <a:ext uri="{FF2B5EF4-FFF2-40B4-BE49-F238E27FC236}">
+                  <a16:creationId xmlns:a16="http://schemas.microsoft.com/office/drawing/2014/main" id="{B79C7485-0B07-5D48-B5EE-2FBF18AABEA9}"/>
+                </a:ext>
+              </a:extLst>
+            </p:cNvPr>
+            <p:cNvCxnSpPr/>
+            <p:nvPr/>
+          </p:nvCxnSpPr>
+          <p:spPr>
+            <a:xfrm flipV="1">
+              <a:off x="168273" y="3326258"/>
+              <a:ext cx="1318453" cy="1266586"/>
+            </a:xfrm>
+            <a:prstGeom prst="line">
+              <a:avLst/>
+            </a:prstGeom>
+            <a:ln>
+              <a:solidFill>
+                <a:schemeClr val="tx2">
+                  <a:lumMod val="60000"/>
+                  <a:lumOff val="40000"/>
+                </a:schemeClr>
+              </a:solidFill>
+              <a:prstDash val="dash"/>
+            </a:ln>
+          </p:spPr>
+          <p:style>
+            <a:lnRef idx="2">
+              <a:schemeClr val="accent1"/>
+            </a:lnRef>
+            <a:fillRef idx="0">
+              <a:schemeClr val="accent1"/>
+            </a:fillRef>
+            <a:effectRef idx="1">
+              <a:schemeClr val="accent1"/>
+            </a:effectRef>
+            <a:fontRef idx="minor">
+              <a:schemeClr val="tx1"/>
+            </a:fontRef>
+          </p:style>
+        </p:cxnSp>
+        <p:sp>
+          <p:nvSpPr>
+            <p:cNvPr id="25" name="Freeform 24">
+              <a:extLst>
+                <a:ext uri="{FF2B5EF4-FFF2-40B4-BE49-F238E27FC236}">
+                  <a16:creationId xmlns:a16="http://schemas.microsoft.com/office/drawing/2014/main" id="{AE7888F7-DFE8-9942-A0BD-69ABE9A25967}"/>
+                </a:ext>
+              </a:extLst>
+            </p:cNvPr>
+            <p:cNvSpPr/>
+            <p:nvPr/>
+          </p:nvSpPr>
+          <p:spPr>
+            <a:xfrm>
+              <a:off x="154552" y="3783457"/>
+              <a:ext cx="2147962" cy="815057"/>
+            </a:xfrm>
+            <a:custGeom>
+              <a:avLst/>
+              <a:gdLst>
+                <a:gd name="connsiteX0" fmla="*/ 0 w 2124636"/>
+                <a:gd name="connsiteY0" fmla="*/ 833922 h 833922"/>
+                <a:gd name="connsiteX1" fmla="*/ 2070848 w 2124636"/>
+                <a:gd name="connsiteY1" fmla="*/ 204 h 833922"/>
+                <a:gd name="connsiteX2" fmla="*/ 2124636 w 2124636"/>
+                <a:gd name="connsiteY2" fmla="*/ 204 h 833922"/>
+                <a:gd name="connsiteX0" fmla="*/ 0 w 2124636"/>
+                <a:gd name="connsiteY0" fmla="*/ 833718 h 833718"/>
+                <a:gd name="connsiteX1" fmla="*/ 1039907 w 2124636"/>
+                <a:gd name="connsiteY1" fmla="*/ 295835 h 833718"/>
+                <a:gd name="connsiteX2" fmla="*/ 2124636 w 2124636"/>
+                <a:gd name="connsiteY2" fmla="*/ 0 h 833718"/>
+                <a:gd name="connsiteX0" fmla="*/ 0 w 2124636"/>
+                <a:gd name="connsiteY0" fmla="*/ 833718 h 833718"/>
+                <a:gd name="connsiteX1" fmla="*/ 1039907 w 2124636"/>
+                <a:gd name="connsiteY1" fmla="*/ 295835 h 833718"/>
+                <a:gd name="connsiteX2" fmla="*/ 2124636 w 2124636"/>
+                <a:gd name="connsiteY2" fmla="*/ 0 h 833718"/>
+                <a:gd name="connsiteX0" fmla="*/ 0 w 2124636"/>
+                <a:gd name="connsiteY0" fmla="*/ 833718 h 833718"/>
+                <a:gd name="connsiteX1" fmla="*/ 1183342 w 2124636"/>
+                <a:gd name="connsiteY1" fmla="*/ 197223 h 833718"/>
+                <a:gd name="connsiteX2" fmla="*/ 2124636 w 2124636"/>
+                <a:gd name="connsiteY2" fmla="*/ 0 h 833718"/>
+                <a:gd name="connsiteX0" fmla="*/ 0 w 2124636"/>
+                <a:gd name="connsiteY0" fmla="*/ 833718 h 833718"/>
+                <a:gd name="connsiteX1" fmla="*/ 1129554 w 2124636"/>
+                <a:gd name="connsiteY1" fmla="*/ 259976 h 833718"/>
+                <a:gd name="connsiteX2" fmla="*/ 2124636 w 2124636"/>
+                <a:gd name="connsiteY2" fmla="*/ 0 h 833718"/>
+                <a:gd name="connsiteX0" fmla="*/ 0 w 2124636"/>
+                <a:gd name="connsiteY0" fmla="*/ 833718 h 833718"/>
+                <a:gd name="connsiteX1" fmla="*/ 1442129 w 2124636"/>
+                <a:gd name="connsiteY1" fmla="*/ 82694 h 833718"/>
+                <a:gd name="connsiteX2" fmla="*/ 2124636 w 2124636"/>
+                <a:gd name="connsiteY2" fmla="*/ 0 h 833718"/>
+                <a:gd name="connsiteX0" fmla="*/ 0 w 2124636"/>
+                <a:gd name="connsiteY0" fmla="*/ 833718 h 833718"/>
+                <a:gd name="connsiteX1" fmla="*/ 1176206 w 2124636"/>
+                <a:gd name="connsiteY1" fmla="*/ 134012 h 833718"/>
+                <a:gd name="connsiteX2" fmla="*/ 2124636 w 2124636"/>
+                <a:gd name="connsiteY2" fmla="*/ 0 h 833718"/>
+                <a:gd name="connsiteX0" fmla="*/ 0 w 2124636"/>
+                <a:gd name="connsiteY0" fmla="*/ 833718 h 833718"/>
+                <a:gd name="connsiteX1" fmla="*/ 1176206 w 2124636"/>
+                <a:gd name="connsiteY1" fmla="*/ 134012 h 833718"/>
+                <a:gd name="connsiteX2" fmla="*/ 1155167 w 2124636"/>
+                <a:gd name="connsiteY2" fmla="*/ 308002 h 833718"/>
+                <a:gd name="connsiteX3" fmla="*/ 2124636 w 2124636"/>
+                <a:gd name="connsiteY3" fmla="*/ 0 h 833718"/>
+                <a:gd name="connsiteX0" fmla="*/ 0 w 2124636"/>
+                <a:gd name="connsiteY0" fmla="*/ 833718 h 833718"/>
+                <a:gd name="connsiteX1" fmla="*/ 1176206 w 2124636"/>
+                <a:gd name="connsiteY1" fmla="*/ 134012 h 833718"/>
+                <a:gd name="connsiteX2" fmla="*/ 1155167 w 2124636"/>
+                <a:gd name="connsiteY2" fmla="*/ 308002 h 833718"/>
+                <a:gd name="connsiteX3" fmla="*/ 2124636 w 2124636"/>
+                <a:gd name="connsiteY3" fmla="*/ 0 h 833718"/>
+                <a:gd name="connsiteX0" fmla="*/ 0 w 2124636"/>
+                <a:gd name="connsiteY0" fmla="*/ 833718 h 833718"/>
+                <a:gd name="connsiteX1" fmla="*/ 1155167 w 2124636"/>
+                <a:gd name="connsiteY1" fmla="*/ 308002 h 833718"/>
+                <a:gd name="connsiteX2" fmla="*/ 2124636 w 2124636"/>
+                <a:gd name="connsiteY2" fmla="*/ 0 h 833718"/>
+                <a:gd name="connsiteX0" fmla="*/ 0 w 2124636"/>
+                <a:gd name="connsiteY0" fmla="*/ 833718 h 833718"/>
+                <a:gd name="connsiteX1" fmla="*/ 1024539 w 2124636"/>
+                <a:gd name="connsiteY1" fmla="*/ 116724 h 833718"/>
+                <a:gd name="connsiteX2" fmla="*/ 2124636 w 2124636"/>
+                <a:gd name="connsiteY2" fmla="*/ 0 h 833718"/>
+                <a:gd name="connsiteX0" fmla="*/ 0 w 2124636"/>
+                <a:gd name="connsiteY0" fmla="*/ 833718 h 833718"/>
+                <a:gd name="connsiteX1" fmla="*/ 1024539 w 2124636"/>
+                <a:gd name="connsiteY1" fmla="*/ 116724 h 833718"/>
+                <a:gd name="connsiteX2" fmla="*/ 2124636 w 2124636"/>
+                <a:gd name="connsiteY2" fmla="*/ 0 h 833718"/>
+                <a:gd name="connsiteX0" fmla="*/ 0 w 2124636"/>
+                <a:gd name="connsiteY0" fmla="*/ 833718 h 833718"/>
+                <a:gd name="connsiteX1" fmla="*/ 1145837 w 2124636"/>
+                <a:gd name="connsiteY1" fmla="*/ 126054 h 833718"/>
+                <a:gd name="connsiteX2" fmla="*/ 2124636 w 2124636"/>
+                <a:gd name="connsiteY2" fmla="*/ 0 h 833718"/>
+                <a:gd name="connsiteX0" fmla="*/ 0 w 2124636"/>
+                <a:gd name="connsiteY0" fmla="*/ 833718 h 833718"/>
+                <a:gd name="connsiteX1" fmla="*/ 1145837 w 2124636"/>
+                <a:gd name="connsiteY1" fmla="*/ 126054 h 833718"/>
+                <a:gd name="connsiteX2" fmla="*/ 2124636 w 2124636"/>
+                <a:gd name="connsiteY2" fmla="*/ 0 h 833718"/>
+                <a:gd name="connsiteX0" fmla="*/ 0 w 2147962"/>
+                <a:gd name="connsiteY0" fmla="*/ 815057 h 815057"/>
+                <a:gd name="connsiteX1" fmla="*/ 1169163 w 2147962"/>
+                <a:gd name="connsiteY1" fmla="*/ 126054 h 815057"/>
+                <a:gd name="connsiteX2" fmla="*/ 2147962 w 2147962"/>
+                <a:gd name="connsiteY2" fmla="*/ 0 h 815057"/>
+              </a:gdLst>
+              <a:ahLst/>
+              <a:cxnLst>
+                <a:cxn ang="0">
+                  <a:pos x="connsiteX0" y="connsiteY0"/>
+                </a:cxn>
+                <a:cxn ang="0">
+                  <a:pos x="connsiteX1" y="connsiteY1"/>
+                </a:cxn>
+                <a:cxn ang="0">
+                  <a:pos x="connsiteX2" y="connsiteY2"/>
+                </a:cxn>
+              </a:cxnLst>
+              <a:rect l="l" t="t" r="r" b="b"/>
+              <a:pathLst>
+                <a:path w="2147962" h="815057">
+                  <a:moveTo>
+                    <a:pt x="0" y="815057"/>
+                  </a:moveTo>
+                  <a:cubicBezTo>
+                    <a:pt x="296644" y="551578"/>
+                    <a:pt x="815057" y="265007"/>
+                    <a:pt x="1169163" y="126054"/>
+                  </a:cubicBezTo>
+                  <a:cubicBezTo>
+                    <a:pt x="1681798" y="-12914"/>
+                    <a:pt x="1997270" y="21009"/>
+                    <a:pt x="2147962" y="0"/>
+                  </a:cubicBezTo>
+                </a:path>
+              </a:pathLst>
+            </a:custGeom>
+            <a:noFill/>
+            <a:ln w="50800">
+              <a:solidFill>
+                <a:schemeClr val="accent3">
+                  <a:lumMod val="50000"/>
+                </a:schemeClr>
+              </a:solidFill>
+            </a:ln>
+            <a:effectLst/>
+          </p:spPr>
+          <p:style>
+            <a:lnRef idx="1">
+              <a:schemeClr val="accent1"/>
+            </a:lnRef>
+            <a:fillRef idx="3">
+              <a:schemeClr val="accent1"/>
+            </a:fillRef>
+            <a:effectRef idx="2">
+              <a:schemeClr val="accent1"/>
+            </a:effectRef>
+            <a:fontRef idx="minor">
+              <a:schemeClr val="lt1"/>
+            </a:fontRef>
+          </p:style>
+          <p:txBody>
+            <a:bodyPr rtlCol="0" anchor="ctr"/>
+            <a:lstStyle/>
+            <a:p>
+              <a:pPr algn="ctr"/>
+              <a:endParaRPr lang="en-US"/>
+            </a:p>
+          </p:txBody>
+        </p:sp>
+        <p:cxnSp>
+          <p:nvCxnSpPr>
+            <p:cNvPr id="27" name="Straight Connector 26">
+              <a:extLst>
+                <a:ext uri="{FF2B5EF4-FFF2-40B4-BE49-F238E27FC236}">
+                  <a16:creationId xmlns:a16="http://schemas.microsoft.com/office/drawing/2014/main" id="{4EE5542F-7158-6D44-B5FD-47D7A7C0E690}"/>
+                </a:ext>
+              </a:extLst>
+            </p:cNvPr>
+            <p:cNvCxnSpPr>
+              <a:endCxn id="25" idx="2"/>
+            </p:cNvCxnSpPr>
+            <p:nvPr/>
+          </p:nvCxnSpPr>
+          <p:spPr>
+            <a:xfrm>
+              <a:off x="168273" y="3783457"/>
+              <a:ext cx="2134241" cy="0"/>
+            </a:xfrm>
+            <a:prstGeom prst="line">
+              <a:avLst/>
+            </a:prstGeom>
+            <a:ln>
+              <a:solidFill>
+                <a:schemeClr val="accent3">
+                  <a:lumMod val="50000"/>
+                </a:schemeClr>
+              </a:solidFill>
+              <a:prstDash val="dash"/>
+            </a:ln>
+          </p:spPr>
+          <p:style>
+            <a:lnRef idx="2">
+              <a:schemeClr val="accent1"/>
+            </a:lnRef>
+            <a:fillRef idx="0">
+              <a:schemeClr val="accent1"/>
+            </a:fillRef>
+            <a:effectRef idx="1">
+              <a:schemeClr val="accent1"/>
+            </a:effectRef>
+            <a:fontRef idx="minor">
+              <a:schemeClr val="tx1"/>
+            </a:fontRef>
+          </p:style>
+        </p:cxnSp>
+        <p:sp>
+          <p:nvSpPr>
+            <p:cNvPr id="28" name="TextBox 27">
+              <a:extLst>
+                <a:ext uri="{FF2B5EF4-FFF2-40B4-BE49-F238E27FC236}">
+                  <a16:creationId xmlns:a16="http://schemas.microsoft.com/office/drawing/2014/main" id="{C56FB6EF-A417-0D48-A56D-48FA77D35066}"/>
+                </a:ext>
+              </a:extLst>
+            </p:cNvPr>
+            <p:cNvSpPr txBox="1"/>
+            <p:nvPr/>
+          </p:nvSpPr>
+          <p:spPr>
+            <a:xfrm>
+              <a:off x="168272" y="3523482"/>
+              <a:ext cx="558230" cy="292388"/>
+            </a:xfrm>
+            <a:prstGeom prst="rect">
+              <a:avLst/>
+            </a:prstGeom>
+            <a:noFill/>
+          </p:spPr>
+          <p:txBody>
+            <a:bodyPr wrap="none" rtlCol="0">
+              <a:spAutoFit/>
+            </a:bodyPr>
+            <a:lstStyle/>
+            <a:p>
+              <a:r>
+                <a:rPr lang="en-US" dirty="0" err="1">
+                  <a:solidFill>
+                    <a:srgbClr val="FF0000"/>
+                  </a:solidFill>
+                </a:rPr>
+                <a:t>Rmax</a:t>
+              </a:r>
+              <a:endParaRPr lang="en-US" dirty="0">
+                <a:solidFill>
+                  <a:srgbClr val="FF0000"/>
+                </a:solidFill>
+              </a:endParaRPr>
+            </a:p>
+          </p:txBody>
+        </p:sp>
+      </p:grpSp>
+      <p:sp>
+        <p:nvSpPr>
+          <p:cNvPr id="29" name="TextBox 28">
+            <a:extLst>
+              <a:ext uri="{FF2B5EF4-FFF2-40B4-BE49-F238E27FC236}">
+                <a16:creationId xmlns:a16="http://schemas.microsoft.com/office/drawing/2014/main" id="{B0E12DDB-EA53-4043-BDC5-4FFED54E8BB3}"/>
+              </a:ext>
+            </a:extLst>
+          </p:cNvPr>
+          <p:cNvSpPr txBox="1"/>
+          <p:nvPr/>
+        </p:nvSpPr>
+        <p:spPr>
+          <a:xfrm>
+            <a:off x="2086487" y="4847696"/>
+            <a:ext cx="1588063" cy="292388"/>
+          </a:xfrm>
+          <a:prstGeom prst="rect">
+            <a:avLst/>
+          </a:prstGeom>
+          <a:noFill/>
+        </p:spPr>
+        <p:txBody>
+          <a:bodyPr wrap="none" rtlCol="0">
+            <a:spAutoFit/>
+          </a:bodyPr>
+          <a:lstStyle/>
+          <a:p>
+            <a:r>
+              <a:rPr lang="en-US" dirty="0"/>
+              <a:t>Reproductive output</a:t>
+            </a:r>
+          </a:p>
+        </p:txBody>
+      </p:sp>
+      <p:grpSp>
+        <p:nvGrpSpPr>
+          <p:cNvPr id="43" name="Group 42">
+            <a:extLst>
+              <a:ext uri="{FF2B5EF4-FFF2-40B4-BE49-F238E27FC236}">
+                <a16:creationId xmlns:a16="http://schemas.microsoft.com/office/drawing/2014/main" id="{5F0C78EB-8FF2-9343-8656-E47E05A0B610}"/>
+              </a:ext>
+            </a:extLst>
+          </p:cNvPr>
+          <p:cNvGrpSpPr/>
+          <p:nvPr/>
+        </p:nvGrpSpPr>
+        <p:grpSpPr>
+          <a:xfrm>
+            <a:off x="795603" y="3737227"/>
+            <a:ext cx="2628915" cy="292388"/>
+            <a:chOff x="795603" y="3737227"/>
+            <a:chExt cx="2628915" cy="292388"/>
+          </a:xfrm>
+        </p:grpSpPr>
+        <p:cxnSp>
+          <p:nvCxnSpPr>
+            <p:cNvPr id="30" name="Straight Connector 29">
+              <a:extLst>
+                <a:ext uri="{FF2B5EF4-FFF2-40B4-BE49-F238E27FC236}">
+                  <a16:creationId xmlns:a16="http://schemas.microsoft.com/office/drawing/2014/main" id="{F0712646-0F85-0E4E-80FD-50C0C92E683E}"/>
+                </a:ext>
+              </a:extLst>
+            </p:cNvPr>
+            <p:cNvCxnSpPr>
+              <a:cxnSpLocks/>
+            </p:cNvCxnSpPr>
+            <p:nvPr/>
+          </p:nvCxnSpPr>
+          <p:spPr>
+            <a:xfrm>
+              <a:off x="795603" y="3993137"/>
+              <a:ext cx="2628915" cy="0"/>
+            </a:xfrm>
+            <a:prstGeom prst="line">
+              <a:avLst/>
+            </a:prstGeom>
+            <a:ln w="47625">
+              <a:solidFill>
+                <a:schemeClr val="accent3">
+                  <a:lumMod val="50000"/>
+                </a:schemeClr>
+              </a:solidFill>
+              <a:tailEnd type="triangle"/>
+            </a:ln>
+          </p:spPr>
+          <p:style>
+            <a:lnRef idx="2">
+              <a:schemeClr val="accent1"/>
+            </a:lnRef>
+            <a:fillRef idx="0">
+              <a:schemeClr val="accent1"/>
+            </a:fillRef>
+            <a:effectRef idx="1">
+              <a:schemeClr val="accent1"/>
+            </a:effectRef>
+            <a:fontRef idx="minor">
+              <a:schemeClr val="tx1"/>
+            </a:fontRef>
+          </p:style>
+        </p:cxnSp>
+        <p:sp>
+          <p:nvSpPr>
+            <p:cNvPr id="34" name="TextBox 33">
+              <a:extLst>
+                <a:ext uri="{FF2B5EF4-FFF2-40B4-BE49-F238E27FC236}">
+                  <a16:creationId xmlns:a16="http://schemas.microsoft.com/office/drawing/2014/main" id="{CFC0C49D-E694-6B45-B538-EBEE7E8505FC}"/>
+                </a:ext>
+              </a:extLst>
+            </p:cNvPr>
+            <p:cNvSpPr txBox="1"/>
+            <p:nvPr/>
+          </p:nvSpPr>
+          <p:spPr>
+            <a:xfrm>
+              <a:off x="2276391" y="3737227"/>
+              <a:ext cx="1024961" cy="292388"/>
+            </a:xfrm>
+            <a:prstGeom prst="rect">
+              <a:avLst/>
+            </a:prstGeom>
+            <a:noFill/>
+          </p:spPr>
+          <p:txBody>
+            <a:bodyPr wrap="none" rtlCol="0">
+              <a:spAutoFit/>
+            </a:bodyPr>
+            <a:lstStyle/>
+            <a:p>
+              <a:r>
+                <a:rPr lang="en-US" dirty="0"/>
+                <a:t>Recruitment</a:t>
+              </a:r>
+            </a:p>
+          </p:txBody>
+        </p:sp>
+      </p:grpSp>
+      <p:sp>
+        <p:nvSpPr>
+          <p:cNvPr id="46" name="TextBox 45">
+            <a:extLst>
+              <a:ext uri="{FF2B5EF4-FFF2-40B4-BE49-F238E27FC236}">
+                <a16:creationId xmlns:a16="http://schemas.microsoft.com/office/drawing/2014/main" id="{CEC7F5E8-F28C-0B4F-9AA2-7073F81082EA}"/>
+              </a:ext>
+            </a:extLst>
+          </p:cNvPr>
+          <p:cNvSpPr txBox="1"/>
+          <p:nvPr/>
+        </p:nvSpPr>
+        <p:spPr>
+          <a:xfrm>
+            <a:off x="3463444" y="2808684"/>
+            <a:ext cx="1660519" cy="292388"/>
+          </a:xfrm>
+          <a:prstGeom prst="rect">
+            <a:avLst/>
+          </a:prstGeom>
+          <a:noFill/>
+        </p:spPr>
+        <p:txBody>
+          <a:bodyPr wrap="none" rtlCol="0">
+            <a:spAutoFit/>
+          </a:bodyPr>
+          <a:lstStyle/>
+          <a:p>
+            <a:r>
+              <a:rPr lang="en-US" dirty="0"/>
+              <a:t>Species size spectrum</a:t>
+            </a:r>
+          </a:p>
+        </p:txBody>
+      </p:sp>
+      <p:sp>
+        <p:nvSpPr>
+          <p:cNvPr id="47" name="TextBox 46">
+            <a:extLst>
+              <a:ext uri="{FF2B5EF4-FFF2-40B4-BE49-F238E27FC236}">
+                <a16:creationId xmlns:a16="http://schemas.microsoft.com/office/drawing/2014/main" id="{2F0361CB-5C3D-D54B-B0A1-07D5053875BF}"/>
+              </a:ext>
+            </a:extLst>
+          </p:cNvPr>
+          <p:cNvSpPr txBox="1"/>
+          <p:nvPr/>
+        </p:nvSpPr>
+        <p:spPr>
+          <a:xfrm>
+            <a:off x="360897" y="2810707"/>
+            <a:ext cx="2158283" cy="292388"/>
+          </a:xfrm>
+          <a:prstGeom prst="rect">
+            <a:avLst/>
+          </a:prstGeom>
+          <a:noFill/>
+        </p:spPr>
+        <p:txBody>
+          <a:bodyPr wrap="none" rtlCol="0">
+            <a:spAutoFit/>
+          </a:bodyPr>
+          <a:lstStyle/>
+          <a:p>
+            <a:r>
+              <a:rPr lang="en-US" dirty="0"/>
+              <a:t>External density dependence</a:t>
+            </a:r>
+          </a:p>
+        </p:txBody>
+      </p:sp>
+      <p:sp>
+        <p:nvSpPr>
+          <p:cNvPr id="48" name="TextBox 47">
+            <a:extLst>
+              <a:ext uri="{FF2B5EF4-FFF2-40B4-BE49-F238E27FC236}">
+                <a16:creationId xmlns:a16="http://schemas.microsoft.com/office/drawing/2014/main" id="{45B256B0-5C08-C74E-8C80-1C0A1270729F}"/>
+              </a:ext>
+            </a:extLst>
+          </p:cNvPr>
+          <p:cNvSpPr txBox="1"/>
+          <p:nvPr/>
+        </p:nvSpPr>
+        <p:spPr>
+          <a:xfrm>
+            <a:off x="4936379" y="4592844"/>
+            <a:ext cx="622286" cy="230832"/>
+          </a:xfrm>
+          <a:prstGeom prst="rect">
+            <a:avLst/>
+          </a:prstGeom>
+          <a:noFill/>
+        </p:spPr>
+        <p:txBody>
+          <a:bodyPr wrap="none" rtlCol="0">
+            <a:spAutoFit/>
+          </a:bodyPr>
+          <a:lstStyle/>
+          <a:p>
+            <a:r>
+              <a:rPr lang="en-US" sz="900" dirty="0"/>
+              <a:t>Body size</a:t>
+            </a:r>
+          </a:p>
+        </p:txBody>
+      </p:sp>
+      <p:cxnSp>
+        <p:nvCxnSpPr>
+          <p:cNvPr id="50" name="Straight Arrow Connector 49">
+            <a:extLst>
+              <a:ext uri="{FF2B5EF4-FFF2-40B4-BE49-F238E27FC236}">
+                <a16:creationId xmlns:a16="http://schemas.microsoft.com/office/drawing/2014/main" id="{936E6D75-8755-6844-ADA3-48D4A0D2F083}"/>
+              </a:ext>
+            </a:extLst>
+          </p:cNvPr>
+          <p:cNvCxnSpPr/>
+          <p:nvPr/>
+        </p:nvCxnSpPr>
+        <p:spPr>
+          <a:xfrm>
+            <a:off x="494034" y="3408664"/>
+            <a:ext cx="0" cy="702160"/>
+          </a:xfrm>
+          <a:prstGeom prst="straightConnector1">
+            <a:avLst/>
+          </a:prstGeom>
+          <a:ln>
+            <a:solidFill>
+              <a:srgbClr val="FF0000"/>
+            </a:solidFill>
+            <a:headEnd type="triangle"/>
+            <a:tailEnd type="triangle"/>
+          </a:ln>
+        </p:spPr>
+        <p:style>
+          <a:lnRef idx="2">
+            <a:schemeClr val="accent1"/>
+          </a:lnRef>
+          <a:fillRef idx="0">
+            <a:schemeClr val="accent1"/>
+          </a:fillRef>
+          <a:effectRef idx="1">
+            <a:schemeClr val="accent1"/>
+          </a:effectRef>
+          <a:fontRef idx="minor">
+            <a:schemeClr val="tx1"/>
+          </a:fontRef>
+        </p:style>
+      </p:cxnSp>
+      <p:cxnSp>
+        <p:nvCxnSpPr>
+          <p:cNvPr id="51" name="Straight Arrow Connector 50">
+            <a:extLst>
+              <a:ext uri="{FF2B5EF4-FFF2-40B4-BE49-F238E27FC236}">
+                <a16:creationId xmlns:a16="http://schemas.microsoft.com/office/drawing/2014/main" id="{983D527F-54B2-7748-99B8-0D5CEE411805}"/>
+              </a:ext>
+            </a:extLst>
+          </p:cNvPr>
+          <p:cNvCxnSpPr/>
+          <p:nvPr/>
+        </p:nvCxnSpPr>
+        <p:spPr>
+          <a:xfrm>
+            <a:off x="3930323" y="3327455"/>
+            <a:ext cx="0" cy="702160"/>
+          </a:xfrm>
+          <a:prstGeom prst="straightConnector1">
+            <a:avLst/>
+          </a:prstGeom>
+          <a:ln>
+            <a:solidFill>
+              <a:srgbClr val="FF0000"/>
+            </a:solidFill>
+            <a:headEnd type="triangle"/>
+            <a:tailEnd type="triangle"/>
+          </a:ln>
+        </p:spPr>
+        <p:style>
+          <a:lnRef idx="2">
+            <a:schemeClr val="accent1"/>
+          </a:lnRef>
+          <a:fillRef idx="0">
+            <a:schemeClr val="accent1"/>
+          </a:fillRef>
+          <a:effectRef idx="1">
+            <a:schemeClr val="accent1"/>
+          </a:effectRef>
+          <a:fontRef idx="minor">
+            <a:schemeClr val="tx1"/>
+          </a:fontRef>
+        </p:style>
+      </p:cxnSp>
+    </p:spTree>
+    <p:extLst>
+      <p:ext uri="{BB962C8B-B14F-4D97-AF65-F5344CB8AC3E}">
+        <p14:creationId xmlns:p14="http://schemas.microsoft.com/office/powerpoint/2010/main" val="2130990193"/>
       </p:ext>
     </p:extLst>
   </p:cSld>
